--- a/TRIWORLD.pptx
+++ b/TRIWORLD.pptx
@@ -284,7 +284,7 @@
           <a:p>
             <a:fld id="{4CDE23C7-78A4-413A-A84B-93D4CC0A9EB1}" type="datetimeFigureOut">
               <a:rPr lang="en-US" smtClean="0"/>
-              <a:t>5/15/2023</a:t>
+              <a:t>5/19/2023</a:t>
             </a:fld>
             <a:endParaRPr lang="en-US"/>
           </a:p>
@@ -487,7 +487,7 @@
           <a:p>
             <a:fld id="{4CDE23C7-78A4-413A-A84B-93D4CC0A9EB1}" type="datetimeFigureOut">
               <a:rPr lang="en-US" smtClean="0"/>
-              <a:t>5/15/2023</a:t>
+              <a:t>5/19/2023</a:t>
             </a:fld>
             <a:endParaRPr lang="en-US"/>
           </a:p>
@@ -695,7 +695,7 @@
           <a:p>
             <a:fld id="{4CDE23C7-78A4-413A-A84B-93D4CC0A9EB1}" type="datetimeFigureOut">
               <a:rPr lang="en-US" smtClean="0"/>
-              <a:t>5/15/2023</a:t>
+              <a:t>5/19/2023</a:t>
             </a:fld>
             <a:endParaRPr lang="en-US"/>
           </a:p>
@@ -893,7 +893,7 @@
           <a:p>
             <a:fld id="{4CDE23C7-78A4-413A-A84B-93D4CC0A9EB1}" type="datetimeFigureOut">
               <a:rPr lang="en-US" smtClean="0"/>
-              <a:t>5/15/2023</a:t>
+              <a:t>5/19/2023</a:t>
             </a:fld>
             <a:endParaRPr lang="en-US"/>
           </a:p>
@@ -1170,7 +1170,7 @@
           <a:p>
             <a:fld id="{4CDE23C7-78A4-413A-A84B-93D4CC0A9EB1}" type="datetimeFigureOut">
               <a:rPr lang="en-US" smtClean="0"/>
-              <a:t>5/15/2023</a:t>
+              <a:t>5/19/2023</a:t>
             </a:fld>
             <a:endParaRPr lang="en-US"/>
           </a:p>
@@ -1435,7 +1435,7 @@
           <a:p>
             <a:fld id="{4CDE23C7-78A4-413A-A84B-93D4CC0A9EB1}" type="datetimeFigureOut">
               <a:rPr lang="en-US" smtClean="0"/>
-              <a:t>5/15/2023</a:t>
+              <a:t>5/19/2023</a:t>
             </a:fld>
             <a:endParaRPr lang="en-US"/>
           </a:p>
@@ -1851,7 +1851,7 @@
           <a:p>
             <a:fld id="{4CDE23C7-78A4-413A-A84B-93D4CC0A9EB1}" type="datetimeFigureOut">
               <a:rPr lang="en-US" smtClean="0"/>
-              <a:t>5/15/2023</a:t>
+              <a:t>5/19/2023</a:t>
             </a:fld>
             <a:endParaRPr lang="en-US"/>
           </a:p>
@@ -1992,7 +1992,7 @@
           <a:p>
             <a:fld id="{4CDE23C7-78A4-413A-A84B-93D4CC0A9EB1}" type="datetimeFigureOut">
               <a:rPr lang="en-US" smtClean="0"/>
-              <a:t>5/15/2023</a:t>
+              <a:t>5/19/2023</a:t>
             </a:fld>
             <a:endParaRPr lang="en-US"/>
           </a:p>
@@ -2105,7 +2105,7 @@
           <a:p>
             <a:fld id="{4CDE23C7-78A4-413A-A84B-93D4CC0A9EB1}" type="datetimeFigureOut">
               <a:rPr lang="en-US" smtClean="0"/>
-              <a:t>5/15/2023</a:t>
+              <a:t>5/19/2023</a:t>
             </a:fld>
             <a:endParaRPr lang="en-US"/>
           </a:p>
@@ -2416,7 +2416,7 @@
           <a:p>
             <a:fld id="{4CDE23C7-78A4-413A-A84B-93D4CC0A9EB1}" type="datetimeFigureOut">
               <a:rPr lang="en-US" smtClean="0"/>
-              <a:t>5/15/2023</a:t>
+              <a:t>5/19/2023</a:t>
             </a:fld>
             <a:endParaRPr lang="en-US"/>
           </a:p>
@@ -2704,7 +2704,7 @@
           <a:p>
             <a:fld id="{4CDE23C7-78A4-413A-A84B-93D4CC0A9EB1}" type="datetimeFigureOut">
               <a:rPr lang="en-US" smtClean="0"/>
-              <a:t>5/15/2023</a:t>
+              <a:t>5/19/2023</a:t>
             </a:fld>
             <a:endParaRPr lang="en-US"/>
           </a:p>
@@ -2944,7 +2944,7 @@
             <a:fld id="{4CDE23C7-78A4-413A-A84B-93D4CC0A9EB1}" type="datetimeFigureOut">
               <a:rPr lang="en-US" smtClean="0"/>
               <a:pPr/>
-              <a:t>5/15/2023</a:t>
+              <a:t>5/19/2023</a:t>
             </a:fld>
             <a:endParaRPr lang="en-US" dirty="0"/>
           </a:p>
@@ -4299,7 +4299,7 @@
                   <a:spcPts val="600"/>
                 </a:spcAft>
               </a:pPr>
-              <a:t>5/15/2023</a:t>
+              <a:t>5/19/2023</a:t>
             </a:fld>
             <a:endParaRPr lang="en-US"/>
           </a:p>
@@ -4616,7 +4616,7 @@
                   <a:spcPts val="600"/>
                 </a:spcAft>
               </a:pPr>
-              <a:t>5/15/2023</a:t>
+              <a:t>5/19/2023</a:t>
             </a:fld>
             <a:endParaRPr lang="en-US" dirty="0"/>
           </a:p>
@@ -4913,7 +4913,7 @@
                   <a:spcPts val="600"/>
                 </a:spcAft>
               </a:pPr>
-              <a:t>5/15/2023</a:t>
+              <a:t>5/19/2023</a:t>
             </a:fld>
             <a:endParaRPr lang="en-US" dirty="0"/>
           </a:p>
@@ -5165,7 +5165,7 @@
                   <a:spcPts val="600"/>
                 </a:spcAft>
               </a:pPr>
-              <a:t>5/15/2023</a:t>
+              <a:t>5/19/2023</a:t>
             </a:fld>
             <a:endParaRPr lang="en-US"/>
           </a:p>
@@ -5440,7 +5440,7 @@
                   <a:spcPts val="600"/>
                 </a:spcAft>
               </a:pPr>
-              <a:t>5/15/2023</a:t>
+              <a:t>5/19/2023</a:t>
             </a:fld>
             <a:endParaRPr lang="en-US" dirty="0"/>
           </a:p>
@@ -5562,7 +5562,7 @@
           <a:p>
             <a:r>
               <a:rPr lang="en-US" sz="3600" dirty="0"/>
-              <a:t>VOCÊ É SÂO PAULINO? </a:t>
+              <a:t>VOCÊ É SÃO PAULINO? </a:t>
             </a:r>
           </a:p>
         </p:txBody>
@@ -5692,7 +5692,7 @@
                   <a:spcPts val="600"/>
                 </a:spcAft>
               </a:pPr>
-              <a:t>5/15/2023</a:t>
+              <a:t>5/19/2023</a:t>
             </a:fld>
             <a:endParaRPr lang="en-US">
               <a:effectLst>
@@ -5839,8 +5839,40 @@
           <a:lstStyle/>
           <a:p>
             <a:r>
-              <a:rPr lang="en-US" sz="3600"/>
-              <a:t>17 milhões de pessoas no brasil torçem para o São Paulo</a:t>
+              <a:rPr lang="en-US" sz="3600" dirty="0"/>
+              <a:t>17 </a:t>
+            </a:r>
+            <a:r>
+              <a:rPr lang="en-US" sz="3600" dirty="0" err="1"/>
+              <a:t>milhões</a:t>
+            </a:r>
+            <a:r>
+              <a:rPr lang="en-US" sz="3600" dirty="0"/>
+              <a:t> de </a:t>
+            </a:r>
+            <a:r>
+              <a:rPr lang="en-US" sz="3600" dirty="0" err="1"/>
+              <a:t>pessoas</a:t>
+            </a:r>
+            <a:r>
+              <a:rPr lang="en-US" sz="3600" dirty="0"/>
+              <a:t> no </a:t>
+            </a:r>
+            <a:r>
+              <a:rPr lang="en-US" sz="3600" dirty="0" err="1"/>
+              <a:t>Brasil</a:t>
+            </a:r>
+            <a:r>
+              <a:rPr lang="en-US" sz="3600" dirty="0"/>
+              <a:t> </a:t>
+            </a:r>
+            <a:r>
+              <a:rPr lang="en-US" sz="3600" dirty="0" err="1"/>
+              <a:t>torçem</a:t>
+            </a:r>
+            <a:r>
+              <a:rPr lang="en-US" sz="3600" dirty="0"/>
+              <a:t> para o São Paulo</a:t>
             </a:r>
           </a:p>
         </p:txBody>
@@ -5951,7 +5983,7 @@
                   <a:spcPts val="600"/>
                 </a:spcAft>
               </a:pPr>
-              <a:t>5/15/2023</a:t>
+              <a:t>5/19/2023</a:t>
             </a:fld>
             <a:endParaRPr lang="en-US" dirty="0"/>
           </a:p>
@@ -6277,7 +6309,7 @@
                   <a:spcPts val="600"/>
                 </a:spcAft>
               </a:pPr>
-              <a:t>5/15/2023</a:t>
+              <a:t>5/19/2023</a:t>
             </a:fld>
             <a:endParaRPr lang="en-US" dirty="0"/>
           </a:p>
@@ -6529,7 +6561,7 @@
                   <a:spcPts val="600"/>
                 </a:spcAft>
               </a:pPr>
-              <a:t>5/15/2023</a:t>
+              <a:t>5/19/2023</a:t>
             </a:fld>
             <a:endParaRPr lang="en-US">
               <a:effectLst>
@@ -6827,14 +6859,42 @@
                 <a:latin typeface="Calibri"/>
                 <a:cs typeface="Calibri"/>
               </a:rPr>
-              <a:t>estilo</a:t>
+              <a:t>assunto</a:t>
             </a:r>
             <a:r>
               <a:rPr lang="en-US" dirty="0">
                 <a:latin typeface="Calibri"/>
                 <a:cs typeface="Calibri"/>
               </a:rPr>
-              <a:t> de </a:t>
+              <a:t> </a:t>
+            </a:r>
+            <a:r>
+              <a:rPr lang="en-US" dirty="0" err="1">
+                <a:latin typeface="Calibri"/>
+                <a:cs typeface="Calibri"/>
+              </a:rPr>
+              <a:t>na</a:t>
+            </a:r>
+            <a:r>
+              <a:rPr lang="en-US" dirty="0">
+                <a:latin typeface="Calibri"/>
+                <a:cs typeface="Calibri"/>
+              </a:rPr>
+              <a:t> </a:t>
+            </a:r>
+            <a:r>
+              <a:rPr lang="en-US" dirty="0" err="1">
+                <a:latin typeface="Calibri"/>
+                <a:cs typeface="Calibri"/>
+              </a:rPr>
+              <a:t>minha</a:t>
+            </a:r>
+            <a:r>
+              <a:rPr lang="en-US" dirty="0">
+                <a:latin typeface="Calibri"/>
+                <a:cs typeface="Calibri"/>
+              </a:rPr>
+              <a:t> </a:t>
             </a:r>
             <a:r>
               <a:rPr lang="en-US" dirty="0" err="1">
@@ -6848,48 +6908,6 @@
                 <a:latin typeface="Calibri"/>
                 <a:cs typeface="Calibri"/>
               </a:rPr>
-              <a:t> </a:t>
-            </a:r>
-            <a:r>
-              <a:rPr lang="en-US" dirty="0" err="1">
-                <a:latin typeface="Calibri"/>
-                <a:cs typeface="Calibri"/>
-              </a:rPr>
-              <a:t>na</a:t>
-            </a:r>
-            <a:r>
-              <a:rPr lang="en-US" dirty="0">
-                <a:latin typeface="Calibri"/>
-                <a:cs typeface="Calibri"/>
-              </a:rPr>
-              <a:t> </a:t>
-            </a:r>
-            <a:r>
-              <a:rPr lang="en-US" dirty="0" err="1">
-                <a:latin typeface="Calibri"/>
-                <a:cs typeface="Calibri"/>
-              </a:rPr>
-              <a:t>minha</a:t>
-            </a:r>
-            <a:r>
-              <a:rPr lang="en-US" dirty="0">
-                <a:latin typeface="Calibri"/>
-                <a:cs typeface="Calibri"/>
-              </a:rPr>
-              <a:t> </a:t>
-            </a:r>
-            <a:r>
-              <a:rPr lang="en-US" dirty="0" err="1">
-                <a:latin typeface="Calibri"/>
-                <a:cs typeface="Calibri"/>
-              </a:rPr>
-              <a:t>rotina</a:t>
-            </a:r>
-            <a:r>
-              <a:rPr lang="en-US" dirty="0">
-                <a:latin typeface="Calibri"/>
-                <a:cs typeface="Calibri"/>
-              </a:rPr>
               <a:t>;</a:t>
             </a:r>
             <a:endParaRPr lang="en-US" dirty="0"/>
@@ -6903,7 +6921,7 @@
               <a:t>Por que </a:t>
             </a:r>
             <a:r>
-              <a:rPr lang="en-US" sz="2800" b="1" u="sng" err="1">
+              <a:rPr lang="en-US" sz="2800" b="1" u="sng" dirty="0" err="1">
                 <a:latin typeface="Calibri"/>
                 <a:cs typeface="Calibri"/>
               </a:rPr>
@@ -6917,7 +6935,7 @@
               <a:t> </a:t>
             </a:r>
             <a:r>
-              <a:rPr lang="en-US" sz="2800" b="1" u="sng" err="1">
+              <a:rPr lang="en-US" sz="2800" b="1" u="sng" dirty="0" err="1">
                 <a:latin typeface="Calibri"/>
                 <a:cs typeface="Calibri"/>
               </a:rPr>
@@ -6931,7 +6949,7 @@
               <a:t> </a:t>
             </a:r>
             <a:r>
-              <a:rPr lang="en-US" sz="2800" b="1" u="sng" err="1">
+              <a:rPr lang="en-US" sz="2800" b="1" u="sng" dirty="0" err="1">
                 <a:latin typeface="Calibri"/>
                 <a:cs typeface="Calibri"/>
               </a:rPr>
@@ -7019,7 +7037,7 @@
                   <a:spcPts val="600"/>
                 </a:spcAft>
               </a:pPr>
-              <a:t>5/15/2023</a:t>
+              <a:t>5/19/2023</a:t>
             </a:fld>
             <a:endParaRPr lang="en-US"/>
           </a:p>
@@ -7296,7 +7314,7 @@
                   <a:spcPts val="600"/>
                 </a:spcAft>
               </a:pPr>
-              <a:t>5/15/2023</a:t>
+              <a:t>5/19/2023</a:t>
             </a:fld>
             <a:endParaRPr lang="en-US"/>
           </a:p>
@@ -7529,7 +7547,7 @@
                   <a:spcPts val="600"/>
                 </a:spcAft>
               </a:pPr>
-              <a:t>5/15/2023</a:t>
+              <a:t>5/19/2023</a:t>
             </a:fld>
             <a:endParaRPr lang="en-US"/>
           </a:p>
@@ -7762,7 +7780,7 @@
                   <a:spcPts val="600"/>
                 </a:spcAft>
               </a:pPr>
-              <a:t>5/15/2023</a:t>
+              <a:t>5/19/2023</a:t>
             </a:fld>
             <a:endParaRPr lang="en-US"/>
           </a:p>
